--- a/Slides/AI Part 7.pptx
+++ b/Slides/AI Part 7.pptx
@@ -258,7 +258,7 @@
           <a:p>
             <a:fld id="{5D56624E-8121-4E6C-9442-A70CC30F64D3}" type="datetimeFigureOut">
               <a:rPr lang="en-GB" smtClean="0"/>
-              <a:t>14/04/2022</a:t>
+              <a:t>03/06/2022</a:t>
             </a:fld>
             <a:endParaRPr lang="en-GB"/>
           </a:p>
@@ -759,7 +759,7 @@
           <a:p>
             <a:fld id="{D23223C7-9BFF-4B0F-A3A4-0F7B92233D8B}" type="datetimeFigureOut">
               <a:rPr lang="en-GB" smtClean="0"/>
-              <a:t>14/04/2022</a:t>
+              <a:t>03/06/2022</a:t>
             </a:fld>
             <a:endParaRPr lang="en-GB"/>
           </a:p>
@@ -959,7 +959,7 @@
           <a:p>
             <a:fld id="{D23223C7-9BFF-4B0F-A3A4-0F7B92233D8B}" type="datetimeFigureOut">
               <a:rPr lang="en-GB" smtClean="0"/>
-              <a:t>14/04/2022</a:t>
+              <a:t>03/06/2022</a:t>
             </a:fld>
             <a:endParaRPr lang="en-GB"/>
           </a:p>
@@ -1169,7 +1169,7 @@
           <a:p>
             <a:fld id="{D23223C7-9BFF-4B0F-A3A4-0F7B92233D8B}" type="datetimeFigureOut">
               <a:rPr lang="en-GB" smtClean="0"/>
-              <a:t>14/04/2022</a:t>
+              <a:t>03/06/2022</a:t>
             </a:fld>
             <a:endParaRPr lang="en-GB"/>
           </a:p>
@@ -1405,7 +1405,7 @@
           <a:p>
             <a:fld id="{6C21EC1F-9507-4D27-9C64-015C1F72ED4D}" type="datetimeFigureOut">
               <a:rPr lang="en-GB" smtClean="0"/>
-              <a:t>14/04/2022</a:t>
+              <a:t>03/06/2022</a:t>
             </a:fld>
             <a:endParaRPr lang="en-GB"/>
           </a:p>
@@ -1575,7 +1575,7 @@
           <a:p>
             <a:fld id="{6C21EC1F-9507-4D27-9C64-015C1F72ED4D}" type="datetimeFigureOut">
               <a:rPr lang="en-GB" smtClean="0"/>
-              <a:t>14/04/2022</a:t>
+              <a:t>03/06/2022</a:t>
             </a:fld>
             <a:endParaRPr lang="en-GB"/>
           </a:p>
@@ -1843,7 +1843,7 @@
           <a:p>
             <a:fld id="{6C21EC1F-9507-4D27-9C64-015C1F72ED4D}" type="datetimeFigureOut">
               <a:rPr lang="en-GB" smtClean="0"/>
-              <a:t>14/04/2022</a:t>
+              <a:t>03/06/2022</a:t>
             </a:fld>
             <a:endParaRPr lang="en-GB"/>
           </a:p>
@@ -2075,7 +2075,7 @@
           <a:p>
             <a:fld id="{6C21EC1F-9507-4D27-9C64-015C1F72ED4D}" type="datetimeFigureOut">
               <a:rPr lang="en-GB" smtClean="0"/>
-              <a:t>14/04/2022</a:t>
+              <a:t>03/06/2022</a:t>
             </a:fld>
             <a:endParaRPr lang="en-GB"/>
           </a:p>
@@ -2434,7 +2434,7 @@
           <a:p>
             <a:fld id="{6C21EC1F-9507-4D27-9C64-015C1F72ED4D}" type="datetimeFigureOut">
               <a:rPr lang="en-GB" smtClean="0"/>
-              <a:t>14/04/2022</a:t>
+              <a:t>03/06/2022</a:t>
             </a:fld>
             <a:endParaRPr lang="en-GB"/>
           </a:p>
@@ -2575,7 +2575,7 @@
           <a:p>
             <a:fld id="{6C21EC1F-9507-4D27-9C64-015C1F72ED4D}" type="datetimeFigureOut">
               <a:rPr lang="en-GB" smtClean="0"/>
-              <a:t>14/04/2022</a:t>
+              <a:t>03/06/2022</a:t>
             </a:fld>
             <a:endParaRPr lang="en-GB"/>
           </a:p>
@@ -2670,7 +2670,7 @@
           <a:p>
             <a:fld id="{6C21EC1F-9507-4D27-9C64-015C1F72ED4D}" type="datetimeFigureOut">
               <a:rPr lang="en-GB" smtClean="0"/>
-              <a:t>14/04/2022</a:t>
+              <a:t>03/06/2022</a:t>
             </a:fld>
             <a:endParaRPr lang="en-GB"/>
           </a:p>
@@ -3027,7 +3027,7 @@
           <a:p>
             <a:fld id="{6C21EC1F-9507-4D27-9C64-015C1F72ED4D}" type="datetimeFigureOut">
               <a:rPr lang="en-GB" smtClean="0"/>
-              <a:t>14/04/2022</a:t>
+              <a:t>03/06/2022</a:t>
             </a:fld>
             <a:endParaRPr lang="en-GB"/>
           </a:p>
@@ -3230,7 +3230,7 @@
           <a:p>
             <a:fld id="{D23223C7-9BFF-4B0F-A3A4-0F7B92233D8B}" type="datetimeFigureOut">
               <a:rPr lang="en-GB" smtClean="0"/>
-              <a:t>14/04/2022</a:t>
+              <a:t>03/06/2022</a:t>
             </a:fld>
             <a:endParaRPr lang="en-GB"/>
           </a:p>
@@ -3584,7 +3584,7 @@
           <a:p>
             <a:fld id="{6C21EC1F-9507-4D27-9C64-015C1F72ED4D}" type="datetimeFigureOut">
               <a:rPr lang="en-GB" smtClean="0"/>
-              <a:t>14/04/2022</a:t>
+              <a:t>03/06/2022</a:t>
             </a:fld>
             <a:endParaRPr lang="en-GB"/>
           </a:p>
@@ -3769,7 +3769,7 @@
           <a:p>
             <a:fld id="{6C21EC1F-9507-4D27-9C64-015C1F72ED4D}" type="datetimeFigureOut">
               <a:rPr lang="en-GB" smtClean="0"/>
-              <a:t>14/04/2022</a:t>
+              <a:t>03/06/2022</a:t>
             </a:fld>
             <a:endParaRPr lang="en-GB"/>
           </a:p>
@@ -3949,7 +3949,7 @@
           <a:p>
             <a:fld id="{6C21EC1F-9507-4D27-9C64-015C1F72ED4D}" type="datetimeFigureOut">
               <a:rPr lang="en-GB" smtClean="0"/>
-              <a:t>14/04/2022</a:t>
+              <a:t>03/06/2022</a:t>
             </a:fld>
             <a:endParaRPr lang="en-GB"/>
           </a:p>
@@ -4213,7 +4213,7 @@
           <a:p>
             <a:fld id="{D23223C7-9BFF-4B0F-A3A4-0F7B92233D8B}" type="datetimeFigureOut">
               <a:rPr lang="en-GB" smtClean="0"/>
-              <a:t>14/04/2022</a:t>
+              <a:t>03/06/2022</a:t>
             </a:fld>
             <a:endParaRPr lang="en-GB"/>
           </a:p>
@@ -4481,7 +4481,7 @@
           <a:p>
             <a:fld id="{D23223C7-9BFF-4B0F-A3A4-0F7B92233D8B}" type="datetimeFigureOut">
               <a:rPr lang="en-GB" smtClean="0"/>
-              <a:t>14/04/2022</a:t>
+              <a:t>03/06/2022</a:t>
             </a:fld>
             <a:endParaRPr lang="en-GB"/>
           </a:p>
@@ -4896,7 +4896,7 @@
           <a:p>
             <a:fld id="{D23223C7-9BFF-4B0F-A3A4-0F7B92233D8B}" type="datetimeFigureOut">
               <a:rPr lang="en-GB" smtClean="0"/>
-              <a:t>14/04/2022</a:t>
+              <a:t>03/06/2022</a:t>
             </a:fld>
             <a:endParaRPr lang="en-GB"/>
           </a:p>
@@ -5038,7 +5038,7 @@
           <a:p>
             <a:fld id="{D23223C7-9BFF-4B0F-A3A4-0F7B92233D8B}" type="datetimeFigureOut">
               <a:rPr lang="en-GB" smtClean="0"/>
-              <a:t>14/04/2022</a:t>
+              <a:t>03/06/2022</a:t>
             </a:fld>
             <a:endParaRPr lang="en-GB"/>
           </a:p>
@@ -5151,7 +5151,7 @@
           <a:p>
             <a:fld id="{D23223C7-9BFF-4B0F-A3A4-0F7B92233D8B}" type="datetimeFigureOut">
               <a:rPr lang="en-GB" smtClean="0"/>
-              <a:t>14/04/2022</a:t>
+              <a:t>03/06/2022</a:t>
             </a:fld>
             <a:endParaRPr lang="en-GB"/>
           </a:p>
@@ -5464,7 +5464,7 @@
           <a:p>
             <a:fld id="{D23223C7-9BFF-4B0F-A3A4-0F7B92233D8B}" type="datetimeFigureOut">
               <a:rPr lang="en-GB" smtClean="0"/>
-              <a:t>14/04/2022</a:t>
+              <a:t>03/06/2022</a:t>
             </a:fld>
             <a:endParaRPr lang="en-GB"/>
           </a:p>
@@ -5753,7 +5753,7 @@
           <a:p>
             <a:fld id="{D23223C7-9BFF-4B0F-A3A4-0F7B92233D8B}" type="datetimeFigureOut">
               <a:rPr lang="en-GB" smtClean="0"/>
-              <a:t>14/04/2022</a:t>
+              <a:t>03/06/2022</a:t>
             </a:fld>
             <a:endParaRPr lang="en-GB"/>
           </a:p>
@@ -5996,7 +5996,7 @@
           <a:p>
             <a:fld id="{D23223C7-9BFF-4B0F-A3A4-0F7B92233D8B}" type="datetimeFigureOut">
               <a:rPr lang="en-GB" smtClean="0"/>
-              <a:t>14/04/2022</a:t>
+              <a:t>03/06/2022</a:t>
             </a:fld>
             <a:endParaRPr lang="en-GB"/>
           </a:p>
@@ -6562,7 +6562,7 @@
           <a:p>
             <a:fld id="{6C21EC1F-9507-4D27-9C64-015C1F72ED4D}" type="datetimeFigureOut">
               <a:rPr lang="en-GB" smtClean="0"/>
-              <a:t>14/04/2022</a:t>
+              <a:t>03/06/2022</a:t>
             </a:fld>
             <a:endParaRPr lang="en-GB"/>
           </a:p>
@@ -12321,16 +12321,13 @@
                 </a:solidFill>
                 <a:hlinkClick r:id="rId4"/>
               </a:rPr>
-              <a:t>https://github.com/philipmortimer/MNIST-TF/tree/main/cartpole</a:t>
-            </a:r>
-            <a:r>
-              <a:rPr lang="en-GB" dirty="0">
-                <a:solidFill>
-                  <a:schemeClr val="bg1"/>
-                </a:solidFill>
-              </a:rPr>
-              <a:t> </a:t>
-            </a:r>
+              <a:t>https://github.com/philipmortimer/AI-Course/tree/main/Programs/Part%207/cartpole_solver</a:t>
+            </a:r>
+            <a:endParaRPr lang="en-GB" dirty="0">
+              <a:solidFill>
+                <a:schemeClr val="bg1"/>
+              </a:solidFill>
+            </a:endParaRPr>
           </a:p>
           <a:p>
             <a:r>
@@ -29665,12 +29662,9 @@
               <a:rPr lang="en-GB" dirty="0">
                 <a:hlinkClick r:id="rId2"/>
               </a:rPr>
-              <a:t>https://github.com/philipmortimer/MNIST-TF/tree/main/11.3_neuroevolution_tfjs.js</a:t>
-            </a:r>
-            <a:r>
-              <a:rPr lang="en-GB" dirty="0"/>
-              <a:t> </a:t>
-            </a:r>
+              <a:t>https://github.com/philipmortimer/AI-Course/tree/main/Programs/Part%207/11.3_neuroevolution_tfjs.js</a:t>
+            </a:r>
+            <a:endParaRPr lang="en-GB" dirty="0"/>
           </a:p>
           <a:p>
             <a:r>
